--- a/Presentations/AI Presentation.pptx
+++ b/Presentations/AI Presentation.pptx
@@ -458,7 +458,7 @@
           <a:p>
             <a:fld id="{F9D143CE-0943-494A-8C87-33A860FC7B70}" type="datetimeFigureOut">
               <a:rPr lang="en-US" smtClean="0"/>
-              <a:t>11/18/2019</a:t>
+              <a:t>11/27/2019</a:t>
             </a:fld>
             <a:endParaRPr lang="en-US"/>
           </a:p>
@@ -1546,7 +1546,7 @@
           <a:p>
             <a:fld id="{F9D143CE-0943-494A-8C87-33A860FC7B70}" type="datetimeFigureOut">
               <a:rPr lang="en-US" smtClean="0"/>
-              <a:t>11/18/2019</a:t>
+              <a:t>11/27/2019</a:t>
             </a:fld>
             <a:endParaRPr lang="en-US"/>
           </a:p>
@@ -2526,7 +2526,7 @@
           <a:p>
             <a:fld id="{F9D143CE-0943-494A-8C87-33A860FC7B70}" type="datetimeFigureOut">
               <a:rPr lang="en-US" smtClean="0"/>
-              <a:t>11/18/2019</a:t>
+              <a:t>11/27/2019</a:t>
             </a:fld>
             <a:endParaRPr lang="en-US"/>
           </a:p>
@@ -3660,7 +3660,7 @@
           <a:p>
             <a:fld id="{F9D143CE-0943-494A-8C87-33A860FC7B70}" type="datetimeFigureOut">
               <a:rPr lang="en-US" smtClean="0"/>
-              <a:t>11/18/2019</a:t>
+              <a:t>11/27/2019</a:t>
             </a:fld>
             <a:endParaRPr lang="en-US"/>
           </a:p>
@@ -4693,7 +4693,7 @@
           <a:p>
             <a:fld id="{F9D143CE-0943-494A-8C87-33A860FC7B70}" type="datetimeFigureOut">
               <a:rPr lang="en-US" smtClean="0"/>
-              <a:t>11/18/2019</a:t>
+              <a:t>11/27/2019</a:t>
             </a:fld>
             <a:endParaRPr lang="en-US"/>
           </a:p>
@@ -5353,7 +5353,7 @@
           <a:p>
             <a:fld id="{F9D143CE-0943-494A-8C87-33A860FC7B70}" type="datetimeFigureOut">
               <a:rPr lang="en-US" smtClean="0"/>
-              <a:t>11/18/2019</a:t>
+              <a:t>11/27/2019</a:t>
             </a:fld>
             <a:endParaRPr lang="en-US"/>
           </a:p>
@@ -6214,7 +6214,7 @@
           <a:p>
             <a:fld id="{F9D143CE-0943-494A-8C87-33A860FC7B70}" type="datetimeFigureOut">
               <a:rPr lang="en-US" smtClean="0"/>
-              <a:t>11/18/2019</a:t>
+              <a:t>11/27/2019</a:t>
             </a:fld>
             <a:endParaRPr lang="en-US"/>
           </a:p>
@@ -6404,7 +6404,7 @@
           <a:p>
             <a:fld id="{F9D143CE-0943-494A-8C87-33A860FC7B70}" type="datetimeFigureOut">
               <a:rPr lang="en-US" smtClean="0"/>
-              <a:t>11/18/2019</a:t>
+              <a:t>11/27/2019</a:t>
             </a:fld>
             <a:endParaRPr lang="en-US"/>
           </a:p>
@@ -7376,7 +7376,7 @@
           <a:p>
             <a:fld id="{F9D143CE-0943-494A-8C87-33A860FC7B70}" type="datetimeFigureOut">
               <a:rPr lang="en-US" smtClean="0"/>
-              <a:t>11/18/2019</a:t>
+              <a:t>11/27/2019</a:t>
             </a:fld>
             <a:endParaRPr lang="en-US"/>
           </a:p>
@@ -7587,7 +7587,7 @@
           <a:p>
             <a:fld id="{F9D143CE-0943-494A-8C87-33A860FC7B70}" type="datetimeFigureOut">
               <a:rPr lang="en-US" smtClean="0"/>
-              <a:t>11/18/2019</a:t>
+              <a:t>11/27/2019</a:t>
             </a:fld>
             <a:endParaRPr lang="en-US"/>
           </a:p>
@@ -8621,7 +8621,7 @@
           <a:p>
             <a:fld id="{F9D143CE-0943-494A-8C87-33A860FC7B70}" type="datetimeFigureOut">
               <a:rPr lang="en-US" smtClean="0"/>
-              <a:t>11/18/2019</a:t>
+              <a:t>11/27/2019</a:t>
             </a:fld>
             <a:endParaRPr lang="en-US"/>
           </a:p>
@@ -8893,7 +8893,7 @@
           <a:p>
             <a:fld id="{F9D143CE-0943-494A-8C87-33A860FC7B70}" type="datetimeFigureOut">
               <a:rPr lang="en-US" smtClean="0"/>
-              <a:t>11/18/2019</a:t>
+              <a:t>11/27/2019</a:t>
             </a:fld>
             <a:endParaRPr lang="en-US"/>
           </a:p>
@@ -9303,7 +9303,7 @@
           <a:p>
             <a:fld id="{F9D143CE-0943-494A-8C87-33A860FC7B70}" type="datetimeFigureOut">
               <a:rPr lang="en-US" smtClean="0"/>
-              <a:t>11/18/2019</a:t>
+              <a:t>11/27/2019</a:t>
             </a:fld>
             <a:endParaRPr lang="en-US"/>
           </a:p>
@@ -9430,7 +9430,7 @@
           <a:p>
             <a:fld id="{F9D143CE-0943-494A-8C87-33A860FC7B70}" type="datetimeFigureOut">
               <a:rPr lang="en-US" smtClean="0"/>
-              <a:t>11/18/2019</a:t>
+              <a:t>11/27/2019</a:t>
             </a:fld>
             <a:endParaRPr lang="en-US"/>
           </a:p>
@@ -9525,7 +9525,7 @@
           <a:p>
             <a:fld id="{F9D143CE-0943-494A-8C87-33A860FC7B70}" type="datetimeFigureOut">
               <a:rPr lang="en-US" smtClean="0"/>
-              <a:t>11/18/2019</a:t>
+              <a:t>11/27/2019</a:t>
             </a:fld>
             <a:endParaRPr lang="en-US"/>
           </a:p>
@@ -10606,7 +10606,7 @@
           <a:p>
             <a:fld id="{F9D143CE-0943-494A-8C87-33A860FC7B70}" type="datetimeFigureOut">
               <a:rPr lang="en-US" smtClean="0"/>
-              <a:t>11/18/2019</a:t>
+              <a:t>11/27/2019</a:t>
             </a:fld>
             <a:endParaRPr lang="en-US"/>
           </a:p>
@@ -11714,7 +11714,7 @@
           <a:p>
             <a:fld id="{F9D143CE-0943-494A-8C87-33A860FC7B70}" type="datetimeFigureOut">
               <a:rPr lang="en-US" smtClean="0"/>
-              <a:t>11/18/2019</a:t>
+              <a:t>11/27/2019</a:t>
             </a:fld>
             <a:endParaRPr lang="en-US"/>
           </a:p>
@@ -12711,7 +12711,7 @@
           <a:p>
             <a:fld id="{F9D143CE-0943-494A-8C87-33A860FC7B70}" type="datetimeFigureOut">
               <a:rPr lang="en-US" smtClean="0"/>
-              <a:t>11/18/2019</a:t>
+              <a:t>11/27/2019</a:t>
             </a:fld>
             <a:endParaRPr lang="en-US"/>
           </a:p>
@@ -13275,7 +13275,7 @@
           <p:cNvPr id="3" name="Subtitle 2">
             <a:extLst>
               <a:ext uri="{FF2B5EF4-FFF2-40B4-BE49-F238E27FC236}">
-                <a16:creationId xmlns:a16="http://schemas.microsoft.com/office/drawing/2014/main" id="{914CA8F9-AB28-48F0-950C-D69A19E69925}"/>
+                <a16:creationId xmlns:a16="http://schemas.microsoft.com/office/drawing/2014/main" xmlns="" id="{914CA8F9-AB28-48F0-950C-D69A19E69925}"/>
               </a:ext>
             </a:extLst>
           </p:cNvPr>
@@ -13375,7 +13375,7 @@
           <p:cNvPr id="10" name="Picture 9">
             <a:extLst>
               <a:ext uri="{FF2B5EF4-FFF2-40B4-BE49-F238E27FC236}">
-                <a16:creationId xmlns:a16="http://schemas.microsoft.com/office/drawing/2014/main" id="{8067D712-B97B-489F-93C0-EFC22B0553A6}"/>
+                <a16:creationId xmlns:a16="http://schemas.microsoft.com/office/drawing/2014/main" xmlns="" id="{8067D712-B97B-489F-93C0-EFC22B0553A6}"/>
               </a:ext>
             </a:extLst>
           </p:cNvPr>
@@ -13469,7 +13469,7 @@
             <p:cNvPr id="13" name="Picture 12">
               <a:extLst>
                 <a:ext uri="{FF2B5EF4-FFF2-40B4-BE49-F238E27FC236}">
-                  <a16:creationId xmlns:a16="http://schemas.microsoft.com/office/drawing/2014/main" id="{8067D712-B97B-489F-93C0-EFC22B0553A6}"/>
+                  <a16:creationId xmlns:a16="http://schemas.microsoft.com/office/drawing/2014/main" xmlns="" id="{8067D712-B97B-489F-93C0-EFC22B0553A6}"/>
                 </a:ext>
               </a:extLst>
             </p:cNvPr>
@@ -13498,7 +13498,7 @@
             <p:cNvPr id="12" name="Picture 11">
               <a:extLst>
                 <a:ext uri="{FF2B5EF4-FFF2-40B4-BE49-F238E27FC236}">
-                  <a16:creationId xmlns:a16="http://schemas.microsoft.com/office/drawing/2014/main" id="{8067D712-B97B-489F-93C0-EFC22B0553A6}"/>
+                  <a16:creationId xmlns:a16="http://schemas.microsoft.com/office/drawing/2014/main" xmlns="" id="{8067D712-B97B-489F-93C0-EFC22B0553A6}"/>
                 </a:ext>
               </a:extLst>
             </p:cNvPr>
@@ -13528,7 +13528,7 @@
           <p:cNvPr id="15" name="Picture 14">
             <a:extLst>
               <a:ext uri="{FF2B5EF4-FFF2-40B4-BE49-F238E27FC236}">
-                <a16:creationId xmlns:a16="http://schemas.microsoft.com/office/drawing/2014/main" id="{8067D712-B97B-489F-93C0-EFC22B0553A6}"/>
+                <a16:creationId xmlns:a16="http://schemas.microsoft.com/office/drawing/2014/main" xmlns="" id="{8067D712-B97B-489F-93C0-EFC22B0553A6}"/>
               </a:ext>
             </a:extLst>
           </p:cNvPr>
@@ -13557,7 +13557,7 @@
           <p:cNvPr id="2" name="TextBox 1">
             <a:extLst>
               <a:ext uri="{FF2B5EF4-FFF2-40B4-BE49-F238E27FC236}">
-                <a16:creationId xmlns:a16="http://schemas.microsoft.com/office/drawing/2014/main" id="{6C092BD7-5FCE-4E6D-987B-59E822E533AD}"/>
+                <a16:creationId xmlns:a16="http://schemas.microsoft.com/office/drawing/2014/main" xmlns="" id="{6C092BD7-5FCE-4E6D-987B-59E822E533AD}"/>
               </a:ext>
             </a:extLst>
           </p:cNvPr>
@@ -13998,7 +13998,7 @@
           <p:cNvPr id="2" name="Title 1">
             <a:extLst>
               <a:ext uri="{FF2B5EF4-FFF2-40B4-BE49-F238E27FC236}">
-                <a16:creationId xmlns:a16="http://schemas.microsoft.com/office/drawing/2014/main" id="{96FB2695-F6EF-4DF6-BB53-7129035AAE1F}"/>
+                <a16:creationId xmlns:a16="http://schemas.microsoft.com/office/drawing/2014/main" xmlns="" id="{96FB2695-F6EF-4DF6-BB53-7129035AAE1F}"/>
               </a:ext>
             </a:extLst>
           </p:cNvPr>
@@ -14026,7 +14026,7 @@
           <p:cNvPr id="3" name="Content Placeholder 2">
             <a:extLst>
               <a:ext uri="{FF2B5EF4-FFF2-40B4-BE49-F238E27FC236}">
-                <a16:creationId xmlns:a16="http://schemas.microsoft.com/office/drawing/2014/main" id="{FAE099DF-675B-4006-912D-91F9229AEFD1}"/>
+                <a16:creationId xmlns:a16="http://schemas.microsoft.com/office/drawing/2014/main" xmlns="" id="{FAE099DF-675B-4006-912D-91F9229AEFD1}"/>
               </a:ext>
             </a:extLst>
           </p:cNvPr>
@@ -14081,7 +14081,7 @@
           <p:cNvPr id="2" name="Title 1">
             <a:extLst>
               <a:ext uri="{FF2B5EF4-FFF2-40B4-BE49-F238E27FC236}">
-                <a16:creationId xmlns:a16="http://schemas.microsoft.com/office/drawing/2014/main" id="{C45F3C27-EBA2-4A39-8789-CE4A1A7DFD68}"/>
+                <a16:creationId xmlns:a16="http://schemas.microsoft.com/office/drawing/2014/main" xmlns="" id="{C45F3C27-EBA2-4A39-8789-CE4A1A7DFD68}"/>
               </a:ext>
             </a:extLst>
           </p:cNvPr>
@@ -14109,7 +14109,7 @@
           <p:cNvPr id="3" name="Content Placeholder 2">
             <a:extLst>
               <a:ext uri="{FF2B5EF4-FFF2-40B4-BE49-F238E27FC236}">
-                <a16:creationId xmlns:a16="http://schemas.microsoft.com/office/drawing/2014/main" id="{B32FA2BE-D8CE-4AB9-A968-77B18D10BDA2}"/>
+                <a16:creationId xmlns:a16="http://schemas.microsoft.com/office/drawing/2014/main" xmlns="" id="{B32FA2BE-D8CE-4AB9-A968-77B18D10BDA2}"/>
               </a:ext>
             </a:extLst>
           </p:cNvPr>
@@ -14164,7 +14164,7 @@
           <p:cNvPr id="2" name="Title 1">
             <a:extLst>
               <a:ext uri="{FF2B5EF4-FFF2-40B4-BE49-F238E27FC236}">
-                <a16:creationId xmlns:a16="http://schemas.microsoft.com/office/drawing/2014/main" id="{6FB96AC4-5DE5-4B79-93FB-46990D61981D}"/>
+                <a16:creationId xmlns:a16="http://schemas.microsoft.com/office/drawing/2014/main" xmlns="" id="{6FB96AC4-5DE5-4B79-93FB-46990D61981D}"/>
               </a:ext>
             </a:extLst>
           </p:cNvPr>
@@ -14197,7 +14197,7 @@
           <p:cNvPr id="3" name="Content Placeholder 2">
             <a:extLst>
               <a:ext uri="{FF2B5EF4-FFF2-40B4-BE49-F238E27FC236}">
-                <a16:creationId xmlns:a16="http://schemas.microsoft.com/office/drawing/2014/main" id="{3BB706A9-81F5-4640-A258-2970DED1C07A}"/>
+                <a16:creationId xmlns:a16="http://schemas.microsoft.com/office/drawing/2014/main" xmlns="" id="{3BB706A9-81F5-4640-A258-2970DED1C07A}"/>
               </a:ext>
             </a:extLst>
           </p:cNvPr>
@@ -14261,7 +14261,7 @@
           <p:cNvPr id="2" name="Title 1">
             <a:extLst>
               <a:ext uri="{FF2B5EF4-FFF2-40B4-BE49-F238E27FC236}">
-                <a16:creationId xmlns:a16="http://schemas.microsoft.com/office/drawing/2014/main" id="{B3FB76F5-A542-4FD9-A455-A6D2AFD4C0CE}"/>
+                <a16:creationId xmlns:a16="http://schemas.microsoft.com/office/drawing/2014/main" xmlns="" id="{B3FB76F5-A542-4FD9-A455-A6D2AFD4C0CE}"/>
               </a:ext>
             </a:extLst>
           </p:cNvPr>
@@ -14289,7 +14289,7 @@
           <p:cNvPr id="3" name="Content Placeholder 2">
             <a:extLst>
               <a:ext uri="{FF2B5EF4-FFF2-40B4-BE49-F238E27FC236}">
-                <a16:creationId xmlns:a16="http://schemas.microsoft.com/office/drawing/2014/main" id="{C43523E0-1A1C-4FF1-8FD2-2D3D4203E3E5}"/>
+                <a16:creationId xmlns:a16="http://schemas.microsoft.com/office/drawing/2014/main" xmlns="" id="{C43523E0-1A1C-4FF1-8FD2-2D3D4203E3E5}"/>
               </a:ext>
             </a:extLst>
           </p:cNvPr>
@@ -14465,7 +14465,7 @@
           <p:cNvPr id="2" name="Title 1">
             <a:extLst>
               <a:ext uri="{FF2B5EF4-FFF2-40B4-BE49-F238E27FC236}">
-                <a16:creationId xmlns:a16="http://schemas.microsoft.com/office/drawing/2014/main" id="{0B7627F1-7715-4FB0-A8A0-2551AA7058E3}"/>
+                <a16:creationId xmlns:a16="http://schemas.microsoft.com/office/drawing/2014/main" xmlns="" id="{0B7627F1-7715-4FB0-A8A0-2551AA7058E3}"/>
               </a:ext>
             </a:extLst>
           </p:cNvPr>
@@ -14488,31 +14488,375 @@
           </a:p>
         </p:txBody>
       </p:sp>
-      <p:sp>
-        <p:nvSpPr>
-          <p:cNvPr id="3" name="Content Placeholder 2">
-            <a:extLst>
-              <a:ext uri="{FF2B5EF4-FFF2-40B4-BE49-F238E27FC236}">
-                <a16:creationId xmlns:a16="http://schemas.microsoft.com/office/drawing/2014/main" id="{1640B1EB-5DD6-4F39-9999-E2856DCF567A}"/>
-              </a:ext>
-            </a:extLst>
-          </p:cNvPr>
-          <p:cNvSpPr>
-            <a:spLocks noGrp="1"/>
-          </p:cNvSpPr>
+      <p:graphicFrame>
+        <p:nvGraphicFramePr>
+          <p:cNvPr id="4" name="Content Placeholder 3"/>
+          <p:cNvGraphicFramePr>
+            <a:graphicFrameLocks noGrp="1"/>
+          </p:cNvGraphicFramePr>
           <p:nvPr>
             <p:ph idx="1"/>
+            <p:extLst>
+              <p:ext uri="{D42A27DB-BD31-4B8C-83A1-F6EECF244321}">
+                <p14:modId xmlns:p14="http://schemas.microsoft.com/office/powerpoint/2010/main" val="2625005869"/>
+              </p:ext>
+            </p:extLst>
           </p:nvPr>
-        </p:nvSpPr>
-        <p:spPr/>
-        <p:txBody>
-          <a:bodyPr/>
-          <a:lstStyle/>
-          <a:p>
-            <a:endParaRPr lang="en-US"/>
-          </a:p>
-        </p:txBody>
-      </p:sp>
+        </p:nvGraphicFramePr>
+        <p:xfrm>
+          <a:off x="1524000" y="2527300"/>
+          <a:ext cx="8824914" cy="3911600"/>
+        </p:xfrm>
+        <a:graphic>
+          <a:graphicData uri="http://schemas.openxmlformats.org/drawingml/2006/table">
+            <a:tbl>
+              <a:tblPr firstRow="1" bandRow="1">
+                <a:tableStyleId>{5C22544A-7EE6-4342-B048-85BDC9FD1C3A}</a:tableStyleId>
+              </a:tblPr>
+              <a:tblGrid>
+                <a:gridCol w="7493000"/>
+                <a:gridCol w="1331914"/>
+              </a:tblGrid>
+              <a:tr h="574040">
+                <a:tc>
+                  <a:txBody>
+                    <a:bodyPr/>
+                    <a:lstStyle/>
+                    <a:p>
+                      <a:r>
+                        <a:rPr lang="en-US" dirty="0" smtClean="0"/>
+                        <a:t>Question</a:t>
+                      </a:r>
+                      <a:endParaRPr lang="en-US" dirty="0"/>
+                    </a:p>
+                  </a:txBody>
+                  <a:tcPr/>
+                </a:tc>
+                <a:tc>
+                  <a:txBody>
+                    <a:bodyPr/>
+                    <a:lstStyle/>
+                    <a:p>
+                      <a:r>
+                        <a:rPr lang="en-US" dirty="0" err="1" smtClean="0"/>
+                        <a:t>Avg</a:t>
+                      </a:r>
+                      <a:r>
+                        <a:rPr lang="en-US" baseline="0" dirty="0" smtClean="0"/>
+                        <a:t> Score</a:t>
+                      </a:r>
+                      <a:endParaRPr lang="en-US" dirty="0"/>
+                    </a:p>
+                  </a:txBody>
+                  <a:tcPr/>
+                </a:tc>
+              </a:tr>
+              <a:tr h="370840">
+                <a:tc>
+                  <a:txBody>
+                    <a:bodyPr/>
+                    <a:lstStyle/>
+                    <a:p>
+                      <a:r>
+                        <a:rPr lang="en-US" dirty="0" smtClean="0"/>
+                        <a:t>Intuitive</a:t>
+                      </a:r>
+                      <a:r>
+                        <a:rPr lang="en-US" baseline="0" dirty="0" smtClean="0"/>
+                        <a:t> Controls</a:t>
+                      </a:r>
+                      <a:endParaRPr lang="en-US" dirty="0"/>
+                    </a:p>
+                  </a:txBody>
+                  <a:tcPr/>
+                </a:tc>
+                <a:tc>
+                  <a:txBody>
+                    <a:bodyPr/>
+                    <a:lstStyle/>
+                    <a:p>
+                      <a:r>
+                        <a:rPr lang="en-US" dirty="0" smtClean="0"/>
+                        <a:t>4.7</a:t>
+                      </a:r>
+                      <a:endParaRPr lang="en-US" dirty="0"/>
+                    </a:p>
+                  </a:txBody>
+                  <a:tcPr/>
+                </a:tc>
+              </a:tr>
+              <a:tr h="370840">
+                <a:tc>
+                  <a:txBody>
+                    <a:bodyPr/>
+                    <a:lstStyle/>
+                    <a:p>
+                      <a:r>
+                        <a:rPr lang="en-US" dirty="0" smtClean="0"/>
+                        <a:t>AI was Fun</a:t>
+                      </a:r>
+                      <a:endParaRPr lang="en-US" dirty="0"/>
+                    </a:p>
+                  </a:txBody>
+                  <a:tcPr/>
+                </a:tc>
+                <a:tc>
+                  <a:txBody>
+                    <a:bodyPr/>
+                    <a:lstStyle/>
+                    <a:p>
+                      <a:r>
+                        <a:rPr lang="en-US" dirty="0" smtClean="0"/>
+                        <a:t>3.2</a:t>
+                      </a:r>
+                      <a:endParaRPr lang="en-US" dirty="0"/>
+                    </a:p>
+                  </a:txBody>
+                  <a:tcPr/>
+                </a:tc>
+              </a:tr>
+              <a:tr h="370840">
+                <a:tc>
+                  <a:txBody>
+                    <a:bodyPr/>
+                    <a:lstStyle/>
+                    <a:p>
+                      <a:r>
+                        <a:rPr lang="en-US" dirty="0" smtClean="0"/>
+                        <a:t>Environment Hazards</a:t>
+                      </a:r>
+                      <a:r>
+                        <a:rPr lang="en-US" baseline="0" dirty="0" smtClean="0"/>
+                        <a:t> improved gameplay</a:t>
+                      </a:r>
+                      <a:endParaRPr lang="en-US" dirty="0"/>
+                    </a:p>
+                  </a:txBody>
+                  <a:tcPr/>
+                </a:tc>
+                <a:tc>
+                  <a:txBody>
+                    <a:bodyPr/>
+                    <a:lstStyle/>
+                    <a:p>
+                      <a:r>
+                        <a:rPr lang="en-US" dirty="0" smtClean="0"/>
+                        <a:t>3.5</a:t>
+                      </a:r>
+                      <a:endParaRPr lang="en-US" dirty="0"/>
+                    </a:p>
+                  </a:txBody>
+                  <a:tcPr/>
+                </a:tc>
+              </a:tr>
+              <a:tr h="370840">
+                <a:tc>
+                  <a:txBody>
+                    <a:bodyPr/>
+                    <a:lstStyle/>
+                    <a:p>
+                      <a:r>
+                        <a:rPr lang="en-US" dirty="0" smtClean="0"/>
+                        <a:t>Weapons were fun</a:t>
+                      </a:r>
+                      <a:endParaRPr lang="en-US" dirty="0"/>
+                    </a:p>
+                  </a:txBody>
+                  <a:tcPr/>
+                </a:tc>
+                <a:tc>
+                  <a:txBody>
+                    <a:bodyPr/>
+                    <a:lstStyle/>
+                    <a:p>
+                      <a:r>
+                        <a:rPr lang="en-US" dirty="0" smtClean="0"/>
+                        <a:t>5</a:t>
+                      </a:r>
+                      <a:endParaRPr lang="en-US" dirty="0"/>
+                    </a:p>
+                  </a:txBody>
+                  <a:tcPr/>
+                </a:tc>
+              </a:tr>
+              <a:tr h="370840">
+                <a:tc>
+                  <a:txBody>
+                    <a:bodyPr/>
+                    <a:lstStyle/>
+                    <a:p>
+                      <a:r>
+                        <a:rPr lang="en-US" dirty="0" smtClean="0"/>
+                        <a:t>Enough Weapon variety</a:t>
+                      </a:r>
+                      <a:endParaRPr lang="en-US" dirty="0"/>
+                    </a:p>
+                  </a:txBody>
+                  <a:tcPr/>
+                </a:tc>
+                <a:tc>
+                  <a:txBody>
+                    <a:bodyPr/>
+                    <a:lstStyle/>
+                    <a:p>
+                      <a:r>
+                        <a:rPr lang="en-US" dirty="0" smtClean="0"/>
+                        <a:t>4.8</a:t>
+                      </a:r>
+                      <a:endParaRPr lang="en-US" dirty="0"/>
+                    </a:p>
+                  </a:txBody>
+                  <a:tcPr/>
+                </a:tc>
+              </a:tr>
+              <a:tr h="370840">
+                <a:tc>
+                  <a:txBody>
+                    <a:bodyPr/>
+                    <a:lstStyle/>
+                    <a:p>
+                      <a:r>
+                        <a:rPr lang="en-US" dirty="0" smtClean="0"/>
+                        <a:t>Seamless</a:t>
+                      </a:r>
+                      <a:r>
+                        <a:rPr lang="en-US" baseline="0" dirty="0" smtClean="0"/>
+                        <a:t> Camera Transitions</a:t>
+                      </a:r>
+                      <a:endParaRPr lang="en-US" dirty="0"/>
+                    </a:p>
+                  </a:txBody>
+                  <a:tcPr/>
+                </a:tc>
+                <a:tc>
+                  <a:txBody>
+                    <a:bodyPr/>
+                    <a:lstStyle/>
+                    <a:p>
+                      <a:r>
+                        <a:rPr lang="en-US" dirty="0" smtClean="0"/>
+                        <a:t>4.3</a:t>
+                      </a:r>
+                      <a:endParaRPr lang="en-US" dirty="0"/>
+                    </a:p>
+                  </a:txBody>
+                  <a:tcPr/>
+                </a:tc>
+              </a:tr>
+              <a:tr h="370840">
+                <a:tc>
+                  <a:txBody>
+                    <a:bodyPr/>
+                    <a:lstStyle/>
+                    <a:p>
+                      <a:r>
+                        <a:rPr lang="en-US" dirty="0" smtClean="0"/>
+                        <a:t>Enough</a:t>
+                      </a:r>
+                      <a:r>
+                        <a:rPr lang="en-US" baseline="0" dirty="0" smtClean="0"/>
+                        <a:t> t</a:t>
+                      </a:r>
+                      <a:r>
+                        <a:rPr lang="en-US" dirty="0" smtClean="0"/>
+                        <a:t>ime per turn to make</a:t>
+                      </a:r>
+                      <a:r>
+                        <a:rPr lang="en-US" baseline="0" dirty="0" smtClean="0"/>
+                        <a:t> decisions</a:t>
+                      </a:r>
+                      <a:endParaRPr lang="en-US" dirty="0"/>
+                    </a:p>
+                  </a:txBody>
+                  <a:tcPr/>
+                </a:tc>
+                <a:tc>
+                  <a:txBody>
+                    <a:bodyPr/>
+                    <a:lstStyle/>
+                    <a:p>
+                      <a:r>
+                        <a:rPr lang="en-US" dirty="0" smtClean="0"/>
+                        <a:t>4.5</a:t>
+                      </a:r>
+                      <a:endParaRPr lang="en-US" dirty="0"/>
+                    </a:p>
+                  </a:txBody>
+                  <a:tcPr/>
+                </a:tc>
+              </a:tr>
+              <a:tr h="370840">
+                <a:tc>
+                  <a:txBody>
+                    <a:bodyPr/>
+                    <a:lstStyle/>
+                    <a:p>
+                      <a:r>
+                        <a:rPr lang="en-US" dirty="0" smtClean="0"/>
+                        <a:t>The</a:t>
+                      </a:r>
+                      <a:r>
+                        <a:rPr lang="en-US" baseline="0" dirty="0" smtClean="0"/>
+                        <a:t> music and SFX fit the game</a:t>
+                      </a:r>
+                      <a:endParaRPr lang="en-US" dirty="0"/>
+                    </a:p>
+                  </a:txBody>
+                  <a:tcPr/>
+                </a:tc>
+                <a:tc>
+                  <a:txBody>
+                    <a:bodyPr/>
+                    <a:lstStyle/>
+                    <a:p>
+                      <a:r>
+                        <a:rPr lang="en-US" dirty="0" smtClean="0"/>
+                        <a:t>4.2</a:t>
+                      </a:r>
+                      <a:endParaRPr lang="en-US" dirty="0"/>
+                    </a:p>
+                  </a:txBody>
+                  <a:tcPr/>
+                </a:tc>
+              </a:tr>
+              <a:tr h="370840">
+                <a:tc>
+                  <a:txBody>
+                    <a:bodyPr/>
+                    <a:lstStyle/>
+                    <a:p>
+                      <a:r>
+                        <a:rPr lang="en-US" dirty="0" smtClean="0"/>
+                        <a:t>The Menu is easy to</a:t>
+                      </a:r>
+                      <a:r>
+                        <a:rPr lang="en-US" baseline="0" dirty="0" smtClean="0"/>
+                        <a:t> Navigate</a:t>
+                      </a:r>
+                      <a:endParaRPr lang="en-US" dirty="0"/>
+                    </a:p>
+                  </a:txBody>
+                  <a:tcPr/>
+                </a:tc>
+                <a:tc>
+                  <a:txBody>
+                    <a:bodyPr/>
+                    <a:lstStyle/>
+                    <a:p>
+                      <a:r>
+                        <a:rPr lang="en-US" dirty="0" smtClean="0"/>
+                        <a:t>4.5</a:t>
+                      </a:r>
+                      <a:endParaRPr lang="en-US" dirty="0"/>
+                    </a:p>
+                  </a:txBody>
+                  <a:tcPr/>
+                </a:tc>
+              </a:tr>
+            </a:tbl>
+          </a:graphicData>
+        </a:graphic>
+      </p:graphicFrame>
     </p:spTree>
     <p:extLst>
       <p:ext uri="{BB962C8B-B14F-4D97-AF65-F5344CB8AC3E}">
@@ -14548,7 +14892,7 @@
           <p:cNvPr id="2" name="Title 1">
             <a:extLst>
               <a:ext uri="{FF2B5EF4-FFF2-40B4-BE49-F238E27FC236}">
-                <a16:creationId xmlns:a16="http://schemas.microsoft.com/office/drawing/2014/main" id="{7A2B0C7F-FC19-42ED-9A7B-BAD9D77079FF}"/>
+                <a16:creationId xmlns:a16="http://schemas.microsoft.com/office/drawing/2014/main" xmlns="" id="{7A2B0C7F-FC19-42ED-9A7B-BAD9D77079FF}"/>
               </a:ext>
             </a:extLst>
           </p:cNvPr>
@@ -14565,9 +14909,18 @@
           <a:lstStyle/>
           <a:p>
             <a:r>
+              <a:rPr lang="en-US" dirty="0" smtClean="0"/>
+              <a:t>Iteration:</a:t>
+            </a:r>
+            <a:r>
               <a:rPr lang="en-US" dirty="0"/>
-              <a:t>Iteration		?</a:t>
+              <a:t>		</a:t>
             </a:r>
+            <a:r>
+              <a:rPr lang="en-US" dirty="0" smtClean="0"/>
+              <a:t>Favorite Weapon</a:t>
+            </a:r>
+            <a:endParaRPr lang="en-US" dirty="0"/>
           </a:p>
         </p:txBody>
       </p:sp>
@@ -14576,7 +14929,7 @@
           <p:cNvPr id="3" name="Content Placeholder 2">
             <a:extLst>
               <a:ext uri="{FF2B5EF4-FFF2-40B4-BE49-F238E27FC236}">
-                <a16:creationId xmlns:a16="http://schemas.microsoft.com/office/drawing/2014/main" id="{D08336DE-CFBD-40CA-B04F-0D9511CD7C77}"/>
+                <a16:creationId xmlns:a16="http://schemas.microsoft.com/office/drawing/2014/main" xmlns="" id="{D08336DE-CFBD-40CA-B04F-0D9511CD7C77}"/>
               </a:ext>
             </a:extLst>
           </p:cNvPr>
@@ -14631,7 +14984,7 @@
           <p:cNvPr id="2" name="Title 1">
             <a:extLst>
               <a:ext uri="{FF2B5EF4-FFF2-40B4-BE49-F238E27FC236}">
-                <a16:creationId xmlns:a16="http://schemas.microsoft.com/office/drawing/2014/main" id="{5739C958-2492-4C0F-9B28-94FA80A203B1}"/>
+                <a16:creationId xmlns:a16="http://schemas.microsoft.com/office/drawing/2014/main" xmlns="" id="{5739C958-2492-4C0F-9B28-94FA80A203B1}"/>
               </a:ext>
             </a:extLst>
           </p:cNvPr>
@@ -14659,7 +15012,7 @@
           <p:cNvPr id="3" name="Content Placeholder 2">
             <a:extLst>
               <a:ext uri="{FF2B5EF4-FFF2-40B4-BE49-F238E27FC236}">
-                <a16:creationId xmlns:a16="http://schemas.microsoft.com/office/drawing/2014/main" id="{4D44ADD0-DB9D-4107-B9C3-F1634F450525}"/>
+                <a16:creationId xmlns:a16="http://schemas.microsoft.com/office/drawing/2014/main" xmlns="" id="{4D44ADD0-DB9D-4107-B9C3-F1634F450525}"/>
               </a:ext>
             </a:extLst>
           </p:cNvPr>
@@ -14717,7 +15070,7 @@
           <p:cNvPr id="2" name="Title 1">
             <a:extLst>
               <a:ext uri="{FF2B5EF4-FFF2-40B4-BE49-F238E27FC236}">
-                <a16:creationId xmlns:a16="http://schemas.microsoft.com/office/drawing/2014/main" id="{279A79C0-8A53-4EAD-AFA8-B430FAC36CA0}"/>
+                <a16:creationId xmlns:a16="http://schemas.microsoft.com/office/drawing/2014/main" xmlns="" id="{279A79C0-8A53-4EAD-AFA8-B430FAC36CA0}"/>
               </a:ext>
             </a:extLst>
           </p:cNvPr>
@@ -14745,7 +15098,7 @@
           <p:cNvPr id="3" name="Content Placeholder 2">
             <a:extLst>
               <a:ext uri="{FF2B5EF4-FFF2-40B4-BE49-F238E27FC236}">
-                <a16:creationId xmlns:a16="http://schemas.microsoft.com/office/drawing/2014/main" id="{D9BE17FB-8809-438F-AC46-4184FD4A1B67}"/>
+                <a16:creationId xmlns:a16="http://schemas.microsoft.com/office/drawing/2014/main" xmlns="" id="{D9BE17FB-8809-438F-AC46-4184FD4A1B67}"/>
               </a:ext>
             </a:extLst>
           </p:cNvPr>
@@ -14833,7 +15186,7 @@
           <p:cNvPr id="2" name="Title 1">
             <a:extLst>
               <a:ext uri="{FF2B5EF4-FFF2-40B4-BE49-F238E27FC236}">
-                <a16:creationId xmlns:a16="http://schemas.microsoft.com/office/drawing/2014/main" id="{AD29EFDA-7C8A-46DF-B68F-E23FDC388EF0}"/>
+                <a16:creationId xmlns:a16="http://schemas.microsoft.com/office/drawing/2014/main" xmlns="" id="{AD29EFDA-7C8A-46DF-B68F-E23FDC388EF0}"/>
               </a:ext>
             </a:extLst>
           </p:cNvPr>
@@ -14861,7 +15214,7 @@
           <p:cNvPr id="3" name="Content Placeholder 2">
             <a:extLst>
               <a:ext uri="{FF2B5EF4-FFF2-40B4-BE49-F238E27FC236}">
-                <a16:creationId xmlns:a16="http://schemas.microsoft.com/office/drawing/2014/main" id="{B90E232B-362C-4298-8184-772B588F73C5}"/>
+                <a16:creationId xmlns:a16="http://schemas.microsoft.com/office/drawing/2014/main" xmlns="" id="{B90E232B-362C-4298-8184-772B588F73C5}"/>
               </a:ext>
             </a:extLst>
           </p:cNvPr>
@@ -14916,7 +15269,7 @@
           <p:cNvPr id="2" name="Title 1">
             <a:extLst>
               <a:ext uri="{FF2B5EF4-FFF2-40B4-BE49-F238E27FC236}">
-                <a16:creationId xmlns:a16="http://schemas.microsoft.com/office/drawing/2014/main" id="{94514DC9-98B1-4E8A-B9B3-16D462B03633}"/>
+                <a16:creationId xmlns:a16="http://schemas.microsoft.com/office/drawing/2014/main" xmlns="" id="{94514DC9-98B1-4E8A-B9B3-16D462B03633}"/>
               </a:ext>
             </a:extLst>
           </p:cNvPr>
@@ -14944,7 +15297,7 @@
           <p:cNvPr id="3" name="Content Placeholder 2">
             <a:extLst>
               <a:ext uri="{FF2B5EF4-FFF2-40B4-BE49-F238E27FC236}">
-                <a16:creationId xmlns:a16="http://schemas.microsoft.com/office/drawing/2014/main" id="{053CC4A6-A4BC-4EB9-AC46-9357006D9504}"/>
+                <a16:creationId xmlns:a16="http://schemas.microsoft.com/office/drawing/2014/main" xmlns="" id="{053CC4A6-A4BC-4EB9-AC46-9357006D9504}"/>
               </a:ext>
             </a:extLst>
           </p:cNvPr>
@@ -15020,7 +15373,7 @@
           <p:cNvPr id="2" name="Title 1">
             <a:extLst>
               <a:ext uri="{FF2B5EF4-FFF2-40B4-BE49-F238E27FC236}">
-                <a16:creationId xmlns:a16="http://schemas.microsoft.com/office/drawing/2014/main" id="{EAA5A3FD-98C6-4C50-801F-47CE358590D6}"/>
+                <a16:creationId xmlns:a16="http://schemas.microsoft.com/office/drawing/2014/main" xmlns="" id="{EAA5A3FD-98C6-4C50-801F-47CE358590D6}"/>
               </a:ext>
             </a:extLst>
           </p:cNvPr>
@@ -15048,7 +15401,7 @@
           <p:cNvPr id="3" name="Content Placeholder 2">
             <a:extLst>
               <a:ext uri="{FF2B5EF4-FFF2-40B4-BE49-F238E27FC236}">
-                <a16:creationId xmlns:a16="http://schemas.microsoft.com/office/drawing/2014/main" id="{D631DD8E-A444-49C3-8B92-F2B467A60FDB}"/>
+                <a16:creationId xmlns:a16="http://schemas.microsoft.com/office/drawing/2014/main" xmlns="" id="{D631DD8E-A444-49C3-8B92-F2B467A60FDB}"/>
               </a:ext>
             </a:extLst>
           </p:cNvPr>
